--- a/Capston Project - Packers and Movers.pptx
+++ b/Capston Project - Packers and Movers.pptx
@@ -3909,6 +3909,10 @@
               <a:rPr lang="en-US" dirty="0" smtClean="0"/>
               <a:t> login to virtual lab and clone this project in virtual lab using command as </a:t>
             </a:r>
+            <a:endParaRPr lang="en-US" dirty="0" smtClean="0"/>
+          </a:p>
+          <a:p>
+            <a:endParaRPr lang="en-US" dirty="0" smtClean="0"/>
           </a:p>
           <a:p>
             <a:r>
